--- a/training/04_Globalization.pptx
+++ b/training/04_Globalization.pptx
@@ -5,10 +5,10 @@
     <p:sldMasterId id="2147483660" r:id="rId1"/>
   </p:sldMasterIdLst>
   <p:notesMasterIdLst>
-    <p:notesMasterId r:id="rId18"/>
+    <p:notesMasterId r:id="rId20"/>
   </p:notesMasterIdLst>
   <p:handoutMasterIdLst>
-    <p:handoutMasterId r:id="rId19"/>
+    <p:handoutMasterId r:id="rId21"/>
   </p:handoutMasterIdLst>
   <p:sldIdLst>
     <p:sldId id="340" r:id="rId2"/>
@@ -27,6 +27,8 @@
     <p:sldId id="382" r:id="rId15"/>
     <p:sldId id="383" r:id="rId16"/>
     <p:sldId id="384" r:id="rId17"/>
+    <p:sldId id="385" r:id="rId18"/>
+    <p:sldId id="386" r:id="rId19"/>
   </p:sldIdLst>
   <p:sldSz cx="12195175" cy="6859588"/>
   <p:notesSz cx="6797675" cy="9874250"/>
@@ -170,6 +172,8 @@
             <p14:sldId id="382"/>
             <p14:sldId id="383"/>
             <p14:sldId id="384"/>
+            <p14:sldId id="385"/>
+            <p14:sldId id="386"/>
           </p14:sldIdLst>
         </p14:section>
       </p14:sectionLst>
@@ -8823,48 +8827,154 @@
           <a:bodyPr/>
           <a:lstStyle/>
           <a:p>
-            <a:endParaRPr lang="en-US"/>
+            <a:r>
+              <a:rPr lang="en-US" altLang="zh-CN" dirty="0" smtClean="0"/>
+              <a:t>Date Format</a:t>
+            </a:r>
+            <a:endParaRPr lang="en-US" dirty="0"/>
           </a:p>
         </p:txBody>
       </p:sp>
-      <p:sp>
-        <p:nvSpPr>
-          <p:cNvPr id="3" name="Text Placeholder 2"/>
-          <p:cNvSpPr>
-            <a:spLocks noGrp="1"/>
-          </p:cNvSpPr>
-          <p:nvPr>
-            <p:ph type="body" sz="quarter" idx="10"/>
-          </p:nvPr>
-        </p:nvSpPr>
-        <p:spPr/>
-        <p:txBody>
-          <a:bodyPr/>
-          <a:lstStyle/>
-          <a:p>
-            <a:endParaRPr lang="en-US"/>
-          </a:p>
-        </p:txBody>
-      </p:sp>
-      <p:sp>
-        <p:nvSpPr>
-          <p:cNvPr id="4" name="Text Placeholder 3"/>
-          <p:cNvSpPr>
-            <a:spLocks noGrp="1"/>
-          </p:cNvSpPr>
-          <p:nvPr>
-            <p:ph type="body" sz="quarter" idx="11"/>
-          </p:nvPr>
-        </p:nvSpPr>
-        <p:spPr/>
-        <p:txBody>
-          <a:bodyPr/>
-          <a:lstStyle/>
-          <a:p>
-            <a:endParaRPr lang="en-US"/>
-          </a:p>
-        </p:txBody>
-      </p:sp>
+      <p:pic>
+        <p:nvPicPr>
+          <p:cNvPr id="7" name="Picture 6"/>
+          <p:cNvPicPr>
+            <a:picLocks noChangeAspect="1"/>
+          </p:cNvPicPr>
+          <p:nvPr/>
+        </p:nvPicPr>
+        <p:blipFill>
+          <a:blip r:embed="rId2"/>
+          <a:stretch>
+            <a:fillRect/>
+          </a:stretch>
+        </p:blipFill>
+        <p:spPr>
+          <a:xfrm>
+            <a:off x="3865195" y="1367931"/>
+            <a:ext cx="4115157" cy="1341236"/>
+          </a:xfrm>
+          <a:prstGeom prst="rect">
+            <a:avLst/>
+          </a:prstGeom>
+          <a:ln w="12700">
+            <a:solidFill>
+              <a:srgbClr val="999999"/>
+            </a:solidFill>
+          </a:ln>
+        </p:spPr>
+      </p:pic>
+      <p:pic>
+        <p:nvPicPr>
+          <p:cNvPr id="8" name="Picture 7"/>
+          <p:cNvPicPr>
+            <a:picLocks noChangeAspect="1"/>
+          </p:cNvPicPr>
+          <p:nvPr/>
+        </p:nvPicPr>
+        <p:blipFill>
+          <a:blip r:embed="rId3"/>
+          <a:stretch>
+            <a:fillRect/>
+          </a:stretch>
+        </p:blipFill>
+        <p:spPr>
+          <a:xfrm>
+            <a:off x="3865195" y="2782583"/>
+            <a:ext cx="5270437" cy="1048420"/>
+          </a:xfrm>
+          <a:prstGeom prst="rect">
+            <a:avLst/>
+          </a:prstGeom>
+          <a:ln>
+            <a:solidFill>
+              <a:srgbClr val="999999"/>
+            </a:solidFill>
+          </a:ln>
+        </p:spPr>
+      </p:pic>
+      <p:pic>
+        <p:nvPicPr>
+          <p:cNvPr id="9" name="Picture 8"/>
+          <p:cNvPicPr>
+            <a:picLocks noChangeAspect="1"/>
+          </p:cNvPicPr>
+          <p:nvPr/>
+        </p:nvPicPr>
+        <p:blipFill>
+          <a:blip r:embed="rId4"/>
+          <a:stretch>
+            <a:fillRect/>
+          </a:stretch>
+        </p:blipFill>
+        <p:spPr>
+          <a:xfrm>
+            <a:off x="216424" y="1367931"/>
+            <a:ext cx="3199129" cy="2253045"/>
+          </a:xfrm>
+          <a:prstGeom prst="rect">
+            <a:avLst/>
+          </a:prstGeom>
+        </p:spPr>
+      </p:pic>
+      <p:pic>
+        <p:nvPicPr>
+          <p:cNvPr id="11" name="Picture 10"/>
+          <p:cNvPicPr>
+            <a:picLocks noChangeAspect="1"/>
+          </p:cNvPicPr>
+          <p:nvPr/>
+        </p:nvPicPr>
+        <p:blipFill>
+          <a:blip r:embed="rId5"/>
+          <a:stretch>
+            <a:fillRect/>
+          </a:stretch>
+        </p:blipFill>
+        <p:spPr>
+          <a:xfrm>
+            <a:off x="324000" y="3968728"/>
+            <a:ext cx="8798917" cy="885544"/>
+          </a:xfrm>
+          <a:prstGeom prst="rect">
+            <a:avLst/>
+          </a:prstGeom>
+          <a:ln w="12700">
+            <a:solidFill>
+              <a:srgbClr val="999999"/>
+            </a:solidFill>
+          </a:ln>
+        </p:spPr>
+      </p:pic>
+      <p:pic>
+        <p:nvPicPr>
+          <p:cNvPr id="12" name="Picture 11"/>
+          <p:cNvPicPr>
+            <a:picLocks noChangeAspect="1"/>
+          </p:cNvPicPr>
+          <p:nvPr/>
+        </p:nvPicPr>
+        <p:blipFill>
+          <a:blip r:embed="rId6"/>
+          <a:stretch>
+            <a:fillRect/>
+          </a:stretch>
+        </p:blipFill>
+        <p:spPr>
+          <a:xfrm>
+            <a:off x="324000" y="4935926"/>
+            <a:ext cx="7620460" cy="1397639"/>
+          </a:xfrm>
+          <a:prstGeom prst="rect">
+            <a:avLst/>
+          </a:prstGeom>
+          <a:ln w="12700">
+            <a:solidFill>
+              <a:srgbClr val="999999"/>
+            </a:solidFill>
+          </a:ln>
+        </p:spPr>
+      </p:pic>
     </p:spTree>
     <p:extLst>
       <p:ext uri="{BB962C8B-B14F-4D97-AF65-F5344CB8AC3E}">
@@ -8878,7 +8988,770 @@
   <p:timing>
     <p:tnLst>
       <p:par>
-        <p:cTn id="1" dur="indefinite" restart="never" nodeType="tmRoot"/>
+        <p:cTn id="1" dur="indefinite" restart="never" nodeType="tmRoot">
+          <p:childTnLst>
+            <p:seq concurrent="1" nextAc="seek">
+              <p:cTn id="2" dur="indefinite" nodeType="mainSeq">
+                <p:childTnLst>
+                  <p:par>
+                    <p:cTn id="3" fill="hold">
+                      <p:stCondLst>
+                        <p:cond delay="indefinite"/>
+                      </p:stCondLst>
+                      <p:childTnLst>
+                        <p:par>
+                          <p:cTn id="4" fill="hold">
+                            <p:stCondLst>
+                              <p:cond delay="0"/>
+                            </p:stCondLst>
+                            <p:childTnLst>
+                              <p:par>
+                                <p:cTn id="5" presetID="1" presetClass="entr" presetSubtype="0" fill="hold" nodeType="clickEffect">
+                                  <p:stCondLst>
+                                    <p:cond delay="0"/>
+                                  </p:stCondLst>
+                                  <p:childTnLst>
+                                    <p:set>
+                                      <p:cBhvr>
+                                        <p:cTn id="6" dur="1" fill="hold">
+                                          <p:stCondLst>
+                                            <p:cond delay="0"/>
+                                          </p:stCondLst>
+                                        </p:cTn>
+                                        <p:tgtEl>
+                                          <p:spTgt spid="9"/>
+                                        </p:tgtEl>
+                                        <p:attrNameLst>
+                                          <p:attrName>style.visibility</p:attrName>
+                                        </p:attrNameLst>
+                                      </p:cBhvr>
+                                      <p:to>
+                                        <p:strVal val="visible"/>
+                                      </p:to>
+                                    </p:set>
+                                  </p:childTnLst>
+                                </p:cTn>
+                              </p:par>
+                            </p:childTnLst>
+                          </p:cTn>
+                        </p:par>
+                      </p:childTnLst>
+                    </p:cTn>
+                  </p:par>
+                  <p:par>
+                    <p:cTn id="7" fill="hold">
+                      <p:stCondLst>
+                        <p:cond delay="indefinite"/>
+                      </p:stCondLst>
+                      <p:childTnLst>
+                        <p:par>
+                          <p:cTn id="8" fill="hold">
+                            <p:stCondLst>
+                              <p:cond delay="0"/>
+                            </p:stCondLst>
+                            <p:childTnLst>
+                              <p:par>
+                                <p:cTn id="9" presetID="1" presetClass="entr" presetSubtype="0" fill="hold" nodeType="clickEffect">
+                                  <p:stCondLst>
+                                    <p:cond delay="0"/>
+                                  </p:stCondLst>
+                                  <p:childTnLst>
+                                    <p:set>
+                                      <p:cBhvr>
+                                        <p:cTn id="10" dur="1" fill="hold">
+                                          <p:stCondLst>
+                                            <p:cond delay="0"/>
+                                          </p:stCondLst>
+                                        </p:cTn>
+                                        <p:tgtEl>
+                                          <p:spTgt spid="7"/>
+                                        </p:tgtEl>
+                                        <p:attrNameLst>
+                                          <p:attrName>style.visibility</p:attrName>
+                                        </p:attrNameLst>
+                                      </p:cBhvr>
+                                      <p:to>
+                                        <p:strVal val="visible"/>
+                                      </p:to>
+                                    </p:set>
+                                  </p:childTnLst>
+                                </p:cTn>
+                              </p:par>
+                            </p:childTnLst>
+                          </p:cTn>
+                        </p:par>
+                      </p:childTnLst>
+                    </p:cTn>
+                  </p:par>
+                  <p:par>
+                    <p:cTn id="11" fill="hold">
+                      <p:stCondLst>
+                        <p:cond delay="indefinite"/>
+                      </p:stCondLst>
+                      <p:childTnLst>
+                        <p:par>
+                          <p:cTn id="12" fill="hold">
+                            <p:stCondLst>
+                              <p:cond delay="0"/>
+                            </p:stCondLst>
+                            <p:childTnLst>
+                              <p:par>
+                                <p:cTn id="13" presetID="1" presetClass="entr" presetSubtype="0" fill="hold" nodeType="clickEffect">
+                                  <p:stCondLst>
+                                    <p:cond delay="0"/>
+                                  </p:stCondLst>
+                                  <p:childTnLst>
+                                    <p:set>
+                                      <p:cBhvr>
+                                        <p:cTn id="14" dur="1" fill="hold">
+                                          <p:stCondLst>
+                                            <p:cond delay="0"/>
+                                          </p:stCondLst>
+                                        </p:cTn>
+                                        <p:tgtEl>
+                                          <p:spTgt spid="8"/>
+                                        </p:tgtEl>
+                                        <p:attrNameLst>
+                                          <p:attrName>style.visibility</p:attrName>
+                                        </p:attrNameLst>
+                                      </p:cBhvr>
+                                      <p:to>
+                                        <p:strVal val="visible"/>
+                                      </p:to>
+                                    </p:set>
+                                  </p:childTnLst>
+                                </p:cTn>
+                              </p:par>
+                            </p:childTnLst>
+                          </p:cTn>
+                        </p:par>
+                      </p:childTnLst>
+                    </p:cTn>
+                  </p:par>
+                  <p:par>
+                    <p:cTn id="15" fill="hold">
+                      <p:stCondLst>
+                        <p:cond delay="indefinite"/>
+                      </p:stCondLst>
+                      <p:childTnLst>
+                        <p:par>
+                          <p:cTn id="16" fill="hold">
+                            <p:stCondLst>
+                              <p:cond delay="0"/>
+                            </p:stCondLst>
+                            <p:childTnLst>
+                              <p:par>
+                                <p:cTn id="17" presetID="1" presetClass="entr" presetSubtype="0" fill="hold" nodeType="clickEffect">
+                                  <p:stCondLst>
+                                    <p:cond delay="0"/>
+                                  </p:stCondLst>
+                                  <p:childTnLst>
+                                    <p:set>
+                                      <p:cBhvr>
+                                        <p:cTn id="18" dur="1" fill="hold">
+                                          <p:stCondLst>
+                                            <p:cond delay="0"/>
+                                          </p:stCondLst>
+                                        </p:cTn>
+                                        <p:tgtEl>
+                                          <p:spTgt spid="11"/>
+                                        </p:tgtEl>
+                                        <p:attrNameLst>
+                                          <p:attrName>style.visibility</p:attrName>
+                                        </p:attrNameLst>
+                                      </p:cBhvr>
+                                      <p:to>
+                                        <p:strVal val="visible"/>
+                                      </p:to>
+                                    </p:set>
+                                  </p:childTnLst>
+                                </p:cTn>
+                              </p:par>
+                            </p:childTnLst>
+                          </p:cTn>
+                        </p:par>
+                      </p:childTnLst>
+                    </p:cTn>
+                  </p:par>
+                  <p:par>
+                    <p:cTn id="19" fill="hold">
+                      <p:stCondLst>
+                        <p:cond delay="indefinite"/>
+                      </p:stCondLst>
+                      <p:childTnLst>
+                        <p:par>
+                          <p:cTn id="20" fill="hold">
+                            <p:stCondLst>
+                              <p:cond delay="0"/>
+                            </p:stCondLst>
+                            <p:childTnLst>
+                              <p:par>
+                                <p:cTn id="21" presetID="1" presetClass="entr" presetSubtype="0" fill="hold" nodeType="clickEffect">
+                                  <p:stCondLst>
+                                    <p:cond delay="0"/>
+                                  </p:stCondLst>
+                                  <p:childTnLst>
+                                    <p:set>
+                                      <p:cBhvr>
+                                        <p:cTn id="22" dur="1" fill="hold">
+                                          <p:stCondLst>
+                                            <p:cond delay="0"/>
+                                          </p:stCondLst>
+                                        </p:cTn>
+                                        <p:tgtEl>
+                                          <p:spTgt spid="12"/>
+                                        </p:tgtEl>
+                                        <p:attrNameLst>
+                                          <p:attrName>style.visibility</p:attrName>
+                                        </p:attrNameLst>
+                                      </p:cBhvr>
+                                      <p:to>
+                                        <p:strVal val="visible"/>
+                                      </p:to>
+                                    </p:set>
+                                  </p:childTnLst>
+                                </p:cTn>
+                              </p:par>
+                            </p:childTnLst>
+                          </p:cTn>
+                        </p:par>
+                      </p:childTnLst>
+                    </p:cTn>
+                  </p:par>
+                </p:childTnLst>
+              </p:cTn>
+              <p:prevCondLst>
+                <p:cond evt="onPrev" delay="0">
+                  <p:tgtEl>
+                    <p:sldTgt/>
+                  </p:tgtEl>
+                </p:cond>
+              </p:prevCondLst>
+              <p:nextCondLst>
+                <p:cond evt="onNext" delay="0">
+                  <p:tgtEl>
+                    <p:sldTgt/>
+                  </p:tgtEl>
+                </p:cond>
+              </p:nextCondLst>
+            </p:seq>
+          </p:childTnLst>
+        </p:cTn>
+      </p:par>
+    </p:tnLst>
+  </p:timing>
+</p:sld>
+</file>
+
+<file path=ppt/slides/slide17.xml><?xml version="1.0" encoding="utf-8"?>
+<p:sld xmlns:a="http://schemas.openxmlformats.org/drawingml/2006/main" xmlns:r="http://schemas.openxmlformats.org/officeDocument/2006/relationships" xmlns:p="http://schemas.openxmlformats.org/presentationml/2006/main">
+  <p:cSld>
+    <p:spTree>
+      <p:nvGrpSpPr>
+        <p:cNvPr id="1" name=""/>
+        <p:cNvGrpSpPr/>
+        <p:nvPr/>
+      </p:nvGrpSpPr>
+      <p:grpSpPr>
+        <a:xfrm>
+          <a:off x="0" y="0"/>
+          <a:ext cx="0" cy="0"/>
+          <a:chOff x="0" y="0"/>
+          <a:chExt cx="0" cy="0"/>
+        </a:xfrm>
+      </p:grpSpPr>
+      <p:sp>
+        <p:nvSpPr>
+          <p:cNvPr id="2" name="Title 1"/>
+          <p:cNvSpPr>
+            <a:spLocks noGrp="1"/>
+          </p:cNvSpPr>
+          <p:nvPr>
+            <p:ph type="title"/>
+          </p:nvPr>
+        </p:nvSpPr>
+        <p:spPr/>
+        <p:txBody>
+          <a:bodyPr/>
+          <a:lstStyle/>
+          <a:p>
+            <a:r>
+              <a:rPr lang="en-US" altLang="zh-CN" dirty="0" smtClean="0"/>
+              <a:t>How is Date formatted </a:t>
+            </a:r>
+            <a:endParaRPr lang="en-US" dirty="0"/>
+          </a:p>
+        </p:txBody>
+      </p:sp>
+      <p:pic>
+        <p:nvPicPr>
+          <p:cNvPr id="5" name="Picture 4"/>
+          <p:cNvPicPr>
+            <a:picLocks noChangeAspect="1"/>
+          </p:cNvPicPr>
+          <p:nvPr/>
+        </p:nvPicPr>
+        <p:blipFill>
+          <a:blip r:embed="rId2"/>
+          <a:stretch>
+            <a:fillRect/>
+          </a:stretch>
+        </p:blipFill>
+        <p:spPr>
+          <a:xfrm>
+            <a:off x="324000" y="1260203"/>
+            <a:ext cx="10889924" cy="3048264"/>
+          </a:xfrm>
+          <a:prstGeom prst="rect">
+            <a:avLst/>
+          </a:prstGeom>
+        </p:spPr>
+      </p:pic>
+      <p:pic>
+        <p:nvPicPr>
+          <p:cNvPr id="6" name="Picture 5"/>
+          <p:cNvPicPr>
+            <a:picLocks noChangeAspect="1"/>
+          </p:cNvPicPr>
+          <p:nvPr/>
+        </p:nvPicPr>
+        <p:blipFill>
+          <a:blip r:embed="rId3"/>
+          <a:stretch>
+            <a:fillRect/>
+          </a:stretch>
+        </p:blipFill>
+        <p:spPr>
+          <a:xfrm>
+            <a:off x="2579424" y="3060314"/>
+            <a:ext cx="9510584" cy="3078747"/>
+          </a:xfrm>
+          <a:prstGeom prst="rect">
+            <a:avLst/>
+          </a:prstGeom>
+        </p:spPr>
+      </p:pic>
+    </p:spTree>
+    <p:extLst>
+      <p:ext uri="{BB962C8B-B14F-4D97-AF65-F5344CB8AC3E}">
+        <p14:creationId xmlns:p14="http://schemas.microsoft.com/office/powerpoint/2010/main" val="720863956"/>
+      </p:ext>
+    </p:extLst>
+  </p:cSld>
+  <p:clrMapOvr>
+    <a:masterClrMapping/>
+  </p:clrMapOvr>
+  <p:timing>
+    <p:tnLst>
+      <p:par>
+        <p:cTn id="1" dur="indefinite" restart="never" nodeType="tmRoot">
+          <p:childTnLst>
+            <p:seq concurrent="1" nextAc="seek">
+              <p:cTn id="2" dur="indefinite" nodeType="mainSeq">
+                <p:childTnLst>
+                  <p:par>
+                    <p:cTn id="3" fill="hold">
+                      <p:stCondLst>
+                        <p:cond delay="indefinite"/>
+                      </p:stCondLst>
+                      <p:childTnLst>
+                        <p:par>
+                          <p:cTn id="4" fill="hold">
+                            <p:stCondLst>
+                              <p:cond delay="0"/>
+                            </p:stCondLst>
+                            <p:childTnLst>
+                              <p:par>
+                                <p:cTn id="5" presetID="1" presetClass="entr" presetSubtype="0" fill="hold" nodeType="clickEffect">
+                                  <p:stCondLst>
+                                    <p:cond delay="0"/>
+                                  </p:stCondLst>
+                                  <p:childTnLst>
+                                    <p:set>
+                                      <p:cBhvr>
+                                        <p:cTn id="6" dur="1" fill="hold">
+                                          <p:stCondLst>
+                                            <p:cond delay="0"/>
+                                          </p:stCondLst>
+                                        </p:cTn>
+                                        <p:tgtEl>
+                                          <p:spTgt spid="5"/>
+                                        </p:tgtEl>
+                                        <p:attrNameLst>
+                                          <p:attrName>style.visibility</p:attrName>
+                                        </p:attrNameLst>
+                                      </p:cBhvr>
+                                      <p:to>
+                                        <p:strVal val="visible"/>
+                                      </p:to>
+                                    </p:set>
+                                  </p:childTnLst>
+                                </p:cTn>
+                              </p:par>
+                            </p:childTnLst>
+                          </p:cTn>
+                        </p:par>
+                      </p:childTnLst>
+                    </p:cTn>
+                  </p:par>
+                  <p:par>
+                    <p:cTn id="7" fill="hold">
+                      <p:stCondLst>
+                        <p:cond delay="indefinite"/>
+                      </p:stCondLst>
+                      <p:childTnLst>
+                        <p:par>
+                          <p:cTn id="8" fill="hold">
+                            <p:stCondLst>
+                              <p:cond delay="0"/>
+                            </p:stCondLst>
+                            <p:childTnLst>
+                              <p:par>
+                                <p:cTn id="9" presetID="1" presetClass="entr" presetSubtype="0" fill="hold" nodeType="clickEffect">
+                                  <p:stCondLst>
+                                    <p:cond delay="0"/>
+                                  </p:stCondLst>
+                                  <p:childTnLst>
+                                    <p:set>
+                                      <p:cBhvr>
+                                        <p:cTn id="10" dur="1" fill="hold">
+                                          <p:stCondLst>
+                                            <p:cond delay="0"/>
+                                          </p:stCondLst>
+                                        </p:cTn>
+                                        <p:tgtEl>
+                                          <p:spTgt spid="6"/>
+                                        </p:tgtEl>
+                                        <p:attrNameLst>
+                                          <p:attrName>style.visibility</p:attrName>
+                                        </p:attrNameLst>
+                                      </p:cBhvr>
+                                      <p:to>
+                                        <p:strVal val="visible"/>
+                                      </p:to>
+                                    </p:set>
+                                  </p:childTnLst>
+                                </p:cTn>
+                              </p:par>
+                            </p:childTnLst>
+                          </p:cTn>
+                        </p:par>
+                      </p:childTnLst>
+                    </p:cTn>
+                  </p:par>
+                </p:childTnLst>
+              </p:cTn>
+              <p:prevCondLst>
+                <p:cond evt="onPrev" delay="0">
+                  <p:tgtEl>
+                    <p:sldTgt/>
+                  </p:tgtEl>
+                </p:cond>
+              </p:prevCondLst>
+              <p:nextCondLst>
+                <p:cond evt="onNext" delay="0">
+                  <p:tgtEl>
+                    <p:sldTgt/>
+                  </p:tgtEl>
+                </p:cond>
+              </p:nextCondLst>
+            </p:seq>
+          </p:childTnLst>
+        </p:cTn>
+      </p:par>
+    </p:tnLst>
+  </p:timing>
+</p:sld>
+</file>
+
+<file path=ppt/slides/slide18.xml><?xml version="1.0" encoding="utf-8"?>
+<p:sld xmlns:a="http://schemas.openxmlformats.org/drawingml/2006/main" xmlns:r="http://schemas.openxmlformats.org/officeDocument/2006/relationships" xmlns:p="http://schemas.openxmlformats.org/presentationml/2006/main">
+  <p:cSld>
+    <p:spTree>
+      <p:nvGrpSpPr>
+        <p:cNvPr id="1" name=""/>
+        <p:cNvGrpSpPr/>
+        <p:nvPr/>
+      </p:nvGrpSpPr>
+      <p:grpSpPr>
+        <a:xfrm>
+          <a:off x="0" y="0"/>
+          <a:ext cx="0" cy="0"/>
+          <a:chOff x="0" y="0"/>
+          <a:chExt cx="0" cy="0"/>
+        </a:xfrm>
+      </p:grpSpPr>
+      <p:sp>
+        <p:nvSpPr>
+          <p:cNvPr id="2" name="Title 1"/>
+          <p:cNvSpPr>
+            <a:spLocks noGrp="1"/>
+          </p:cNvSpPr>
+          <p:nvPr>
+            <p:ph type="title"/>
+          </p:nvPr>
+        </p:nvSpPr>
+        <p:spPr/>
+        <p:txBody>
+          <a:bodyPr/>
+          <a:lstStyle/>
+          <a:p>
+            <a:r>
+              <a:rPr lang="en-US" altLang="zh-CN" dirty="0"/>
+              <a:t>How is Date formatted </a:t>
+            </a:r>
+            <a:r>
+              <a:rPr lang="en-US" altLang="zh-CN" dirty="0" smtClean="0"/>
+              <a:t>(2)</a:t>
+            </a:r>
+            <a:endParaRPr lang="en-US" dirty="0"/>
+          </a:p>
+        </p:txBody>
+      </p:sp>
+      <p:pic>
+        <p:nvPicPr>
+          <p:cNvPr id="5" name="Picture 4"/>
+          <p:cNvPicPr>
+            <a:picLocks noChangeAspect="1"/>
+          </p:cNvPicPr>
+          <p:nvPr/>
+        </p:nvPicPr>
+        <p:blipFill>
+          <a:blip r:embed="rId2"/>
+          <a:stretch>
+            <a:fillRect/>
+          </a:stretch>
+        </p:blipFill>
+        <p:spPr>
+          <a:xfrm>
+            <a:off x="324000" y="1367818"/>
+            <a:ext cx="4701947" cy="2133785"/>
+          </a:xfrm>
+          <a:prstGeom prst="rect">
+            <a:avLst/>
+          </a:prstGeom>
+        </p:spPr>
+      </p:pic>
+      <p:pic>
+        <p:nvPicPr>
+          <p:cNvPr id="6" name="Picture 5"/>
+          <p:cNvPicPr>
+            <a:picLocks noChangeAspect="1"/>
+          </p:cNvPicPr>
+          <p:nvPr/>
+        </p:nvPicPr>
+        <p:blipFill>
+          <a:blip r:embed="rId3"/>
+          <a:stretch>
+            <a:fillRect/>
+          </a:stretch>
+        </p:blipFill>
+        <p:spPr>
+          <a:xfrm>
+            <a:off x="324000" y="3916513"/>
+            <a:ext cx="9510584" cy="2316681"/>
+          </a:xfrm>
+          <a:prstGeom prst="rect">
+            <a:avLst/>
+          </a:prstGeom>
+        </p:spPr>
+      </p:pic>
+      <p:pic>
+        <p:nvPicPr>
+          <p:cNvPr id="7" name="Picture 6"/>
+          <p:cNvPicPr>
+            <a:picLocks noChangeAspect="1"/>
+          </p:cNvPicPr>
+          <p:nvPr/>
+        </p:nvPicPr>
+        <p:blipFill>
+          <a:blip r:embed="rId4"/>
+          <a:stretch>
+            <a:fillRect/>
+          </a:stretch>
+        </p:blipFill>
+        <p:spPr>
+          <a:xfrm>
+            <a:off x="3017390" y="1313369"/>
+            <a:ext cx="8580864" cy="2370025"/>
+          </a:xfrm>
+          <a:prstGeom prst="rect">
+            <a:avLst/>
+          </a:prstGeom>
+        </p:spPr>
+      </p:pic>
+    </p:spTree>
+    <p:extLst>
+      <p:ext uri="{BB962C8B-B14F-4D97-AF65-F5344CB8AC3E}">
+        <p14:creationId xmlns:p14="http://schemas.microsoft.com/office/powerpoint/2010/main" val="1811375260"/>
+      </p:ext>
+    </p:extLst>
+  </p:cSld>
+  <p:clrMapOvr>
+    <a:masterClrMapping/>
+  </p:clrMapOvr>
+  <p:timing>
+    <p:tnLst>
+      <p:par>
+        <p:cTn id="1" dur="indefinite" restart="never" nodeType="tmRoot">
+          <p:childTnLst>
+            <p:seq concurrent="1" nextAc="seek">
+              <p:cTn id="2" dur="indefinite" nodeType="mainSeq">
+                <p:childTnLst>
+                  <p:par>
+                    <p:cTn id="3" fill="hold">
+                      <p:stCondLst>
+                        <p:cond delay="indefinite"/>
+                      </p:stCondLst>
+                      <p:childTnLst>
+                        <p:par>
+                          <p:cTn id="4" fill="hold">
+                            <p:stCondLst>
+                              <p:cond delay="0"/>
+                            </p:stCondLst>
+                            <p:childTnLst>
+                              <p:par>
+                                <p:cTn id="5" presetID="1" presetClass="entr" presetSubtype="0" fill="hold" nodeType="clickEffect">
+                                  <p:stCondLst>
+                                    <p:cond delay="0"/>
+                                  </p:stCondLst>
+                                  <p:childTnLst>
+                                    <p:set>
+                                      <p:cBhvr>
+                                        <p:cTn id="6" dur="1" fill="hold">
+                                          <p:stCondLst>
+                                            <p:cond delay="0"/>
+                                          </p:stCondLst>
+                                        </p:cTn>
+                                        <p:tgtEl>
+                                          <p:spTgt spid="5"/>
+                                        </p:tgtEl>
+                                        <p:attrNameLst>
+                                          <p:attrName>style.visibility</p:attrName>
+                                        </p:attrNameLst>
+                                      </p:cBhvr>
+                                      <p:to>
+                                        <p:strVal val="visible"/>
+                                      </p:to>
+                                    </p:set>
+                                  </p:childTnLst>
+                                </p:cTn>
+                              </p:par>
+                            </p:childTnLst>
+                          </p:cTn>
+                        </p:par>
+                      </p:childTnLst>
+                    </p:cTn>
+                  </p:par>
+                  <p:par>
+                    <p:cTn id="7" fill="hold">
+                      <p:stCondLst>
+                        <p:cond delay="indefinite"/>
+                      </p:stCondLst>
+                      <p:childTnLst>
+                        <p:par>
+                          <p:cTn id="8" fill="hold">
+                            <p:stCondLst>
+                              <p:cond delay="0"/>
+                            </p:stCondLst>
+                            <p:childTnLst>
+                              <p:par>
+                                <p:cTn id="9" presetID="1" presetClass="entr" presetSubtype="0" fill="hold" nodeType="clickEffect">
+                                  <p:stCondLst>
+                                    <p:cond delay="0"/>
+                                  </p:stCondLst>
+                                  <p:childTnLst>
+                                    <p:set>
+                                      <p:cBhvr>
+                                        <p:cTn id="10" dur="1" fill="hold">
+                                          <p:stCondLst>
+                                            <p:cond delay="0"/>
+                                          </p:stCondLst>
+                                        </p:cTn>
+                                        <p:tgtEl>
+                                          <p:spTgt spid="6"/>
+                                        </p:tgtEl>
+                                        <p:attrNameLst>
+                                          <p:attrName>style.visibility</p:attrName>
+                                        </p:attrNameLst>
+                                      </p:cBhvr>
+                                      <p:to>
+                                        <p:strVal val="visible"/>
+                                      </p:to>
+                                    </p:set>
+                                  </p:childTnLst>
+                                </p:cTn>
+                              </p:par>
+                            </p:childTnLst>
+                          </p:cTn>
+                        </p:par>
+                      </p:childTnLst>
+                    </p:cTn>
+                  </p:par>
+                  <p:par>
+                    <p:cTn id="11" fill="hold">
+                      <p:stCondLst>
+                        <p:cond delay="indefinite"/>
+                      </p:stCondLst>
+                      <p:childTnLst>
+                        <p:par>
+                          <p:cTn id="12" fill="hold">
+                            <p:stCondLst>
+                              <p:cond delay="0"/>
+                            </p:stCondLst>
+                            <p:childTnLst>
+                              <p:par>
+                                <p:cTn id="13" presetID="1" presetClass="entr" presetSubtype="0" fill="hold" nodeType="clickEffect">
+                                  <p:stCondLst>
+                                    <p:cond delay="0"/>
+                                  </p:stCondLst>
+                                  <p:childTnLst>
+                                    <p:set>
+                                      <p:cBhvr>
+                                        <p:cTn id="14" dur="1" fill="hold">
+                                          <p:stCondLst>
+                                            <p:cond delay="0"/>
+                                          </p:stCondLst>
+                                        </p:cTn>
+                                        <p:tgtEl>
+                                          <p:spTgt spid="7"/>
+                                        </p:tgtEl>
+                                        <p:attrNameLst>
+                                          <p:attrName>style.visibility</p:attrName>
+                                        </p:attrNameLst>
+                                      </p:cBhvr>
+                                      <p:to>
+                                        <p:strVal val="visible"/>
+                                      </p:to>
+                                    </p:set>
+                                  </p:childTnLst>
+                                </p:cTn>
+                              </p:par>
+                            </p:childTnLst>
+                          </p:cTn>
+                        </p:par>
+                      </p:childTnLst>
+                    </p:cTn>
+                  </p:par>
+                </p:childTnLst>
+              </p:cTn>
+              <p:prevCondLst>
+                <p:cond evt="onPrev" delay="0">
+                  <p:tgtEl>
+                    <p:sldTgt/>
+                  </p:tgtEl>
+                </p:cond>
+              </p:prevCondLst>
+              <p:nextCondLst>
+                <p:cond evt="onNext" delay="0">
+                  <p:tgtEl>
+                    <p:sldTgt/>
+                  </p:tgtEl>
+                </p:cond>
+              </p:nextCondLst>
+            </p:seq>
+          </p:childTnLst>
+        </p:cTn>
       </p:par>
     </p:tnLst>
   </p:timing>
@@ -9123,10 +9996,6 @@
               </a:rPr>
               <a:t>Example: GM4/001</a:t>
             </a:r>
-            <a:endParaRPr lang="en-US" sz="1800" kern="0" dirty="0" smtClean="0">
-              <a:ea typeface="Arial Unicode MS" pitchFamily="34" charset="-128"/>
-              <a:cs typeface="Arial Unicode MS" pitchFamily="34" charset="-128"/>
-            </a:endParaRPr>
           </a:p>
         </p:txBody>
       </p:sp>
